--- a/Final/Presentation/Data Visualization Final.pptx
+++ b/Final/Presentation/Data Visualization Final.pptx
@@ -4,6 +4,9 @@
   <p:sldMasterIdLst>
     <p:sldMasterId id="2147483648" r:id="rId1"/>
   </p:sldMasterIdLst>
+  <p:notesMasterIdLst>
+    <p:notesMasterId r:id="rId12"/>
+  </p:notesMasterIdLst>
   <p:sldIdLst>
     <p:sldId id="256" r:id="rId2"/>
     <p:sldId id="257" r:id="rId3"/>
@@ -113,7 +116,803 @@
       </a:defRPr>
     </a:lvl9pPr>
   </p:defaultTextStyle>
+  <p:extLst>
+    <p:ext uri="{EFAFB233-063F-42B5-8137-9DF3F51BA10A}">
+      <p15:sldGuideLst xmlns:p15="http://schemas.microsoft.com/office/powerpoint/2012/main"/>
+    </p:ext>
+  </p:extLst>
 </p:presentation>
+</file>
+
+<file path=ppt/notesMasters/notesMaster1.xml><?xml version="1.0" encoding="utf-8"?>
+<p:notesMaster xmlns:a="http://schemas.openxmlformats.org/drawingml/2006/main" xmlns:r="http://schemas.openxmlformats.org/officeDocument/2006/relationships" xmlns:p="http://schemas.openxmlformats.org/presentationml/2006/main">
+  <p:cSld>
+    <p:bg>
+      <p:bgRef idx="1001">
+        <a:schemeClr val="bg1"/>
+      </p:bgRef>
+    </p:bg>
+    <p:spTree>
+      <p:nvGrpSpPr>
+        <p:cNvPr id="1" name=""/>
+        <p:cNvGrpSpPr/>
+        <p:nvPr/>
+      </p:nvGrpSpPr>
+      <p:grpSpPr>
+        <a:xfrm>
+          <a:off x="0" y="0"/>
+          <a:ext cx="0" cy="0"/>
+          <a:chOff x="0" y="0"/>
+          <a:chExt cx="0" cy="0"/>
+        </a:xfrm>
+      </p:grpSpPr>
+      <p:sp>
+        <p:nvSpPr>
+          <p:cNvPr id="2" name="Header Placeholder 1"/>
+          <p:cNvSpPr>
+            <a:spLocks noGrp="1"/>
+          </p:cNvSpPr>
+          <p:nvPr>
+            <p:ph type="hdr" sz="quarter"/>
+          </p:nvPr>
+        </p:nvSpPr>
+        <p:spPr>
+          <a:xfrm>
+            <a:off x="0" y="0"/>
+            <a:ext cx="2971800" cy="458788"/>
+          </a:xfrm>
+          <a:prstGeom prst="rect">
+            <a:avLst/>
+          </a:prstGeom>
+        </p:spPr>
+        <p:txBody>
+          <a:bodyPr vert="horz" lIns="91440" tIns="45720" rIns="91440" bIns="45720" rtlCol="0"/>
+          <a:lstStyle>
+            <a:lvl1pPr algn="l">
+              <a:defRPr sz="1200"/>
+            </a:lvl1pPr>
+          </a:lstStyle>
+          <a:p>
+            <a:endParaRPr lang="en-US"/>
+          </a:p>
+        </p:txBody>
+      </p:sp>
+      <p:sp>
+        <p:nvSpPr>
+          <p:cNvPr id="3" name="Date Placeholder 2"/>
+          <p:cNvSpPr>
+            <a:spLocks noGrp="1"/>
+          </p:cNvSpPr>
+          <p:nvPr>
+            <p:ph type="dt" idx="1"/>
+          </p:nvPr>
+        </p:nvSpPr>
+        <p:spPr>
+          <a:xfrm>
+            <a:off x="3884613" y="0"/>
+            <a:ext cx="2971800" cy="458788"/>
+          </a:xfrm>
+          <a:prstGeom prst="rect">
+            <a:avLst/>
+          </a:prstGeom>
+        </p:spPr>
+        <p:txBody>
+          <a:bodyPr vert="horz" lIns="91440" tIns="45720" rIns="91440" bIns="45720" rtlCol="0"/>
+          <a:lstStyle>
+            <a:lvl1pPr algn="r">
+              <a:defRPr sz="1200"/>
+            </a:lvl1pPr>
+          </a:lstStyle>
+          <a:p>
+            <a:fld id="{94B2F83B-FE16-4D89-A0AC-F36D2B1443D5}" type="datetimeFigureOut">
+              <a:rPr lang="en-US" smtClean="0"/>
+              <a:t>2/15/2015</a:t>
+            </a:fld>
+            <a:endParaRPr lang="en-US"/>
+          </a:p>
+        </p:txBody>
+      </p:sp>
+      <p:sp>
+        <p:nvSpPr>
+          <p:cNvPr id="4" name="Slide Image Placeholder 3"/>
+          <p:cNvSpPr>
+            <a:spLocks noGrp="1" noRot="1" noChangeAspect="1"/>
+          </p:cNvSpPr>
+          <p:nvPr>
+            <p:ph type="sldImg" idx="2"/>
+          </p:nvPr>
+        </p:nvSpPr>
+        <p:spPr>
+          <a:xfrm>
+            <a:off x="685800" y="1143000"/>
+            <a:ext cx="5486400" cy="3086100"/>
+          </a:xfrm>
+          <a:prstGeom prst="rect">
+            <a:avLst/>
+          </a:prstGeom>
+          <a:noFill/>
+          <a:ln w="12700">
+            <a:solidFill>
+              <a:prstClr val="black"/>
+            </a:solidFill>
+          </a:ln>
+        </p:spPr>
+        <p:txBody>
+          <a:bodyPr vert="horz" lIns="91440" tIns="45720" rIns="91440" bIns="45720" rtlCol="0" anchor="ctr"/>
+          <a:lstStyle/>
+          <a:p>
+            <a:endParaRPr lang="en-US"/>
+          </a:p>
+        </p:txBody>
+      </p:sp>
+      <p:sp>
+        <p:nvSpPr>
+          <p:cNvPr id="5" name="Notes Placeholder 4"/>
+          <p:cNvSpPr>
+            <a:spLocks noGrp="1"/>
+          </p:cNvSpPr>
+          <p:nvPr>
+            <p:ph type="body" sz="quarter" idx="3"/>
+          </p:nvPr>
+        </p:nvSpPr>
+        <p:spPr>
+          <a:xfrm>
+            <a:off x="685800" y="4400550"/>
+            <a:ext cx="5486400" cy="3600450"/>
+          </a:xfrm>
+          <a:prstGeom prst="rect">
+            <a:avLst/>
+          </a:prstGeom>
+        </p:spPr>
+        <p:txBody>
+          <a:bodyPr vert="horz" lIns="91440" tIns="45720" rIns="91440" bIns="45720" rtlCol="0"/>
+          <a:lstStyle/>
+          <a:p>
+            <a:pPr lvl="0"/>
+            <a:r>
+              <a:rPr lang="en-US" smtClean="0"/>
+              <a:t>Click to edit Master text styles</a:t>
+            </a:r>
+          </a:p>
+          <a:p>
+            <a:pPr lvl="1"/>
+            <a:r>
+              <a:rPr lang="en-US" smtClean="0"/>
+              <a:t>Second level</a:t>
+            </a:r>
+          </a:p>
+          <a:p>
+            <a:pPr lvl="2"/>
+            <a:r>
+              <a:rPr lang="en-US" smtClean="0"/>
+              <a:t>Third level</a:t>
+            </a:r>
+          </a:p>
+          <a:p>
+            <a:pPr lvl="3"/>
+            <a:r>
+              <a:rPr lang="en-US" smtClean="0"/>
+              <a:t>Fourth level</a:t>
+            </a:r>
+          </a:p>
+          <a:p>
+            <a:pPr lvl="4"/>
+            <a:r>
+              <a:rPr lang="en-US" smtClean="0"/>
+              <a:t>Fifth level</a:t>
+            </a:r>
+            <a:endParaRPr lang="en-US"/>
+          </a:p>
+        </p:txBody>
+      </p:sp>
+      <p:sp>
+        <p:nvSpPr>
+          <p:cNvPr id="6" name="Footer Placeholder 5"/>
+          <p:cNvSpPr>
+            <a:spLocks noGrp="1"/>
+          </p:cNvSpPr>
+          <p:nvPr>
+            <p:ph type="ftr" sz="quarter" idx="4"/>
+          </p:nvPr>
+        </p:nvSpPr>
+        <p:spPr>
+          <a:xfrm>
+            <a:off x="0" y="8685213"/>
+            <a:ext cx="2971800" cy="458787"/>
+          </a:xfrm>
+          <a:prstGeom prst="rect">
+            <a:avLst/>
+          </a:prstGeom>
+        </p:spPr>
+        <p:txBody>
+          <a:bodyPr vert="horz" lIns="91440" tIns="45720" rIns="91440" bIns="45720" rtlCol="0" anchor="b"/>
+          <a:lstStyle>
+            <a:lvl1pPr algn="l">
+              <a:defRPr sz="1200"/>
+            </a:lvl1pPr>
+          </a:lstStyle>
+          <a:p>
+            <a:endParaRPr lang="en-US"/>
+          </a:p>
+        </p:txBody>
+      </p:sp>
+      <p:sp>
+        <p:nvSpPr>
+          <p:cNvPr id="7" name="Slide Number Placeholder 6"/>
+          <p:cNvSpPr>
+            <a:spLocks noGrp="1"/>
+          </p:cNvSpPr>
+          <p:nvPr>
+            <p:ph type="sldNum" sz="quarter" idx="5"/>
+          </p:nvPr>
+        </p:nvSpPr>
+        <p:spPr>
+          <a:xfrm>
+            <a:off x="3884613" y="8685213"/>
+            <a:ext cx="2971800" cy="458787"/>
+          </a:xfrm>
+          <a:prstGeom prst="rect">
+            <a:avLst/>
+          </a:prstGeom>
+        </p:spPr>
+        <p:txBody>
+          <a:bodyPr vert="horz" lIns="91440" tIns="45720" rIns="91440" bIns="45720" rtlCol="0" anchor="b"/>
+          <a:lstStyle>
+            <a:lvl1pPr algn="r">
+              <a:defRPr sz="1200"/>
+            </a:lvl1pPr>
+          </a:lstStyle>
+          <a:p>
+            <a:fld id="{E8B4E3B2-47FF-4AB0-B819-A4A2EB53F0CB}" type="slidenum">
+              <a:rPr lang="en-US" smtClean="0"/>
+              <a:t>‹#›</a:t>
+            </a:fld>
+            <a:endParaRPr lang="en-US"/>
+          </a:p>
+        </p:txBody>
+      </p:sp>
+    </p:spTree>
+    <p:extLst>
+      <p:ext uri="{BB962C8B-B14F-4D97-AF65-F5344CB8AC3E}">
+        <p14:creationId xmlns:p14="http://schemas.microsoft.com/office/powerpoint/2010/main" val="1589287835"/>
+      </p:ext>
+    </p:extLst>
+  </p:cSld>
+  <p:clrMap bg1="lt1" tx1="dk1" bg2="lt2" tx2="dk2" accent1="accent1" accent2="accent2" accent3="accent3" accent4="accent4" accent5="accent5" accent6="accent6" hlink="hlink" folHlink="folHlink"/>
+  <p:notesStyle>
+    <a:lvl1pPr marL="0" algn="l" defTabSz="914400" rtl="0" eaLnBrk="1" latinLnBrk="0" hangingPunct="1">
+      <a:defRPr sz="1200" kern="1200">
+        <a:solidFill>
+          <a:schemeClr val="tx1"/>
+        </a:solidFill>
+        <a:latin typeface="+mn-lt"/>
+        <a:ea typeface="+mn-ea"/>
+        <a:cs typeface="+mn-cs"/>
+      </a:defRPr>
+    </a:lvl1pPr>
+    <a:lvl2pPr marL="457200" algn="l" defTabSz="914400" rtl="0" eaLnBrk="1" latinLnBrk="0" hangingPunct="1">
+      <a:defRPr sz="1200" kern="1200">
+        <a:solidFill>
+          <a:schemeClr val="tx1"/>
+        </a:solidFill>
+        <a:latin typeface="+mn-lt"/>
+        <a:ea typeface="+mn-ea"/>
+        <a:cs typeface="+mn-cs"/>
+      </a:defRPr>
+    </a:lvl2pPr>
+    <a:lvl3pPr marL="914400" algn="l" defTabSz="914400" rtl="0" eaLnBrk="1" latinLnBrk="0" hangingPunct="1">
+      <a:defRPr sz="1200" kern="1200">
+        <a:solidFill>
+          <a:schemeClr val="tx1"/>
+        </a:solidFill>
+        <a:latin typeface="+mn-lt"/>
+        <a:ea typeface="+mn-ea"/>
+        <a:cs typeface="+mn-cs"/>
+      </a:defRPr>
+    </a:lvl3pPr>
+    <a:lvl4pPr marL="1371600" algn="l" defTabSz="914400" rtl="0" eaLnBrk="1" latinLnBrk="0" hangingPunct="1">
+      <a:defRPr sz="1200" kern="1200">
+        <a:solidFill>
+          <a:schemeClr val="tx1"/>
+        </a:solidFill>
+        <a:latin typeface="+mn-lt"/>
+        <a:ea typeface="+mn-ea"/>
+        <a:cs typeface="+mn-cs"/>
+      </a:defRPr>
+    </a:lvl4pPr>
+    <a:lvl5pPr marL="1828800" algn="l" defTabSz="914400" rtl="0" eaLnBrk="1" latinLnBrk="0" hangingPunct="1">
+      <a:defRPr sz="1200" kern="1200">
+        <a:solidFill>
+          <a:schemeClr val="tx1"/>
+        </a:solidFill>
+        <a:latin typeface="+mn-lt"/>
+        <a:ea typeface="+mn-ea"/>
+        <a:cs typeface="+mn-cs"/>
+      </a:defRPr>
+    </a:lvl5pPr>
+    <a:lvl6pPr marL="2286000" algn="l" defTabSz="914400" rtl="0" eaLnBrk="1" latinLnBrk="0" hangingPunct="1">
+      <a:defRPr sz="1200" kern="1200">
+        <a:solidFill>
+          <a:schemeClr val="tx1"/>
+        </a:solidFill>
+        <a:latin typeface="+mn-lt"/>
+        <a:ea typeface="+mn-ea"/>
+        <a:cs typeface="+mn-cs"/>
+      </a:defRPr>
+    </a:lvl6pPr>
+    <a:lvl7pPr marL="2743200" algn="l" defTabSz="914400" rtl="0" eaLnBrk="1" latinLnBrk="0" hangingPunct="1">
+      <a:defRPr sz="1200" kern="1200">
+        <a:solidFill>
+          <a:schemeClr val="tx1"/>
+        </a:solidFill>
+        <a:latin typeface="+mn-lt"/>
+        <a:ea typeface="+mn-ea"/>
+        <a:cs typeface="+mn-cs"/>
+      </a:defRPr>
+    </a:lvl7pPr>
+    <a:lvl8pPr marL="3200400" algn="l" defTabSz="914400" rtl="0" eaLnBrk="1" latinLnBrk="0" hangingPunct="1">
+      <a:defRPr sz="1200" kern="1200">
+        <a:solidFill>
+          <a:schemeClr val="tx1"/>
+        </a:solidFill>
+        <a:latin typeface="+mn-lt"/>
+        <a:ea typeface="+mn-ea"/>
+        <a:cs typeface="+mn-cs"/>
+      </a:defRPr>
+    </a:lvl8pPr>
+    <a:lvl9pPr marL="3657600" algn="l" defTabSz="914400" rtl="0" eaLnBrk="1" latinLnBrk="0" hangingPunct="1">
+      <a:defRPr sz="1200" kern="1200">
+        <a:solidFill>
+          <a:schemeClr val="tx1"/>
+        </a:solidFill>
+        <a:latin typeface="+mn-lt"/>
+        <a:ea typeface="+mn-ea"/>
+        <a:cs typeface="+mn-cs"/>
+      </a:defRPr>
+    </a:lvl9pPr>
+  </p:notesStyle>
+</p:notesMaster>
+</file>
+
+<file path=ppt/notesSlides/notesSlide1.xml><?xml version="1.0" encoding="utf-8"?>
+<p:notes xmlns:a="http://schemas.openxmlformats.org/drawingml/2006/main" xmlns:r="http://schemas.openxmlformats.org/officeDocument/2006/relationships" xmlns:p="http://schemas.openxmlformats.org/presentationml/2006/main">
+  <p:cSld>
+    <p:spTree>
+      <p:nvGrpSpPr>
+        <p:cNvPr id="1" name=""/>
+        <p:cNvGrpSpPr/>
+        <p:nvPr/>
+      </p:nvGrpSpPr>
+      <p:grpSpPr>
+        <a:xfrm>
+          <a:off x="0" y="0"/>
+          <a:ext cx="0" cy="0"/>
+          <a:chOff x="0" y="0"/>
+          <a:chExt cx="0" cy="0"/>
+        </a:xfrm>
+      </p:grpSpPr>
+      <p:sp>
+        <p:nvSpPr>
+          <p:cNvPr id="2" name="Slide Image Placeholder 1"/>
+          <p:cNvSpPr>
+            <a:spLocks noGrp="1" noRot="1" noChangeAspect="1"/>
+          </p:cNvSpPr>
+          <p:nvPr>
+            <p:ph type="sldImg"/>
+          </p:nvPr>
+        </p:nvSpPr>
+        <p:spPr/>
+      </p:sp>
+      <p:sp>
+        <p:nvSpPr>
+          <p:cNvPr id="3" name="Notes Placeholder 2"/>
+          <p:cNvSpPr>
+            <a:spLocks noGrp="1"/>
+          </p:cNvSpPr>
+          <p:nvPr>
+            <p:ph type="body" idx="1"/>
+          </p:nvPr>
+        </p:nvSpPr>
+        <p:spPr/>
+        <p:txBody>
+          <a:bodyPr/>
+          <a:lstStyle/>
+          <a:p>
+            <a:r>
+              <a:rPr lang="en-US" dirty="0" smtClean="0"/>
+              <a:t>The first visualization works nicely</a:t>
+            </a:r>
+            <a:r>
+              <a:rPr lang="en-US" baseline="0" dirty="0" smtClean="0"/>
+              <a:t> and we can distinguish the fact that China is very tied to all samples around the globe. However, when we applied the same algorithm on the entire provided database (270 samples), we had difficulty in seeing any patterns or strong connections. The graph is too cluttered and the computing time considerable (grows </a:t>
+            </a:r>
+            <a:r>
+              <a:rPr lang="en-US" baseline="0" dirty="0" err="1" smtClean="0"/>
+              <a:t>quadratically</a:t>
+            </a:r>
+            <a:r>
+              <a:rPr lang="en-US" baseline="0" dirty="0" smtClean="0"/>
+              <a:t> with sample count)</a:t>
+            </a:r>
+            <a:endParaRPr lang="en-US" dirty="0"/>
+          </a:p>
+        </p:txBody>
+      </p:sp>
+      <p:sp>
+        <p:nvSpPr>
+          <p:cNvPr id="4" name="Slide Number Placeholder 3"/>
+          <p:cNvSpPr>
+            <a:spLocks noGrp="1"/>
+          </p:cNvSpPr>
+          <p:nvPr>
+            <p:ph type="sldNum" sz="quarter" idx="10"/>
+          </p:nvPr>
+        </p:nvSpPr>
+        <p:spPr/>
+        <p:txBody>
+          <a:bodyPr/>
+          <a:lstStyle/>
+          <a:p>
+            <a:fld id="{E8B4E3B2-47FF-4AB0-B819-A4A2EB53F0CB}" type="slidenum">
+              <a:rPr lang="en-US" smtClean="0"/>
+              <a:t>6</a:t>
+            </a:fld>
+            <a:endParaRPr lang="en-US"/>
+          </a:p>
+        </p:txBody>
+      </p:sp>
+    </p:spTree>
+    <p:extLst>
+      <p:ext uri="{BB962C8B-B14F-4D97-AF65-F5344CB8AC3E}">
+        <p14:creationId xmlns:p14="http://schemas.microsoft.com/office/powerpoint/2010/main" val="412863613"/>
+      </p:ext>
+    </p:extLst>
+  </p:cSld>
+  <p:clrMapOvr>
+    <a:masterClrMapping/>
+  </p:clrMapOvr>
+</p:notes>
+</file>
+
+<file path=ppt/notesSlides/notesSlide2.xml><?xml version="1.0" encoding="utf-8"?>
+<p:notes xmlns:a="http://schemas.openxmlformats.org/drawingml/2006/main" xmlns:r="http://schemas.openxmlformats.org/officeDocument/2006/relationships" xmlns:p="http://schemas.openxmlformats.org/presentationml/2006/main">
+  <p:cSld>
+    <p:spTree>
+      <p:nvGrpSpPr>
+        <p:cNvPr id="1" name=""/>
+        <p:cNvGrpSpPr/>
+        <p:nvPr/>
+      </p:nvGrpSpPr>
+      <p:grpSpPr>
+        <a:xfrm>
+          <a:off x="0" y="0"/>
+          <a:ext cx="0" cy="0"/>
+          <a:chOff x="0" y="0"/>
+          <a:chExt cx="0" cy="0"/>
+        </a:xfrm>
+      </p:grpSpPr>
+      <p:sp>
+        <p:nvSpPr>
+          <p:cNvPr id="2" name="Slide Image Placeholder 1"/>
+          <p:cNvSpPr>
+            <a:spLocks noGrp="1" noRot="1" noChangeAspect="1"/>
+          </p:cNvSpPr>
+          <p:nvPr>
+            <p:ph type="sldImg"/>
+          </p:nvPr>
+        </p:nvSpPr>
+        <p:spPr/>
+      </p:sp>
+      <p:sp>
+        <p:nvSpPr>
+          <p:cNvPr id="3" name="Notes Placeholder 2"/>
+          <p:cNvSpPr>
+            <a:spLocks noGrp="1"/>
+          </p:cNvSpPr>
+          <p:nvPr>
+            <p:ph type="body" idx="1"/>
+          </p:nvPr>
+        </p:nvSpPr>
+        <p:spPr/>
+        <p:txBody>
+          <a:bodyPr/>
+          <a:lstStyle/>
+          <a:p>
+            <a:r>
+              <a:rPr lang="en-US" dirty="0" smtClean="0"/>
+              <a:t>So,</a:t>
+            </a:r>
+            <a:r>
+              <a:rPr lang="en-US" baseline="0" dirty="0" smtClean="0"/>
+              <a:t> what we did:</a:t>
+            </a:r>
+          </a:p>
+          <a:p>
+            <a:r>
+              <a:rPr lang="en-US" baseline="0" dirty="0" smtClean="0"/>
+              <a:t>-we separated the data on different regions.</a:t>
+            </a:r>
+          </a:p>
+          <a:p>
+            <a:r>
+              <a:rPr lang="en-US" baseline="0" dirty="0" smtClean="0"/>
+              <a:t>-connected dots within the same region (red-to-white color range).</a:t>
+            </a:r>
+          </a:p>
+          <a:p>
+            <a:r>
+              <a:rPr lang="en-US" baseline="0" dirty="0" smtClean="0"/>
+              <a:t>-created centroids (meaning center for every cluster)</a:t>
+            </a:r>
+          </a:p>
+          <a:p>
+            <a:r>
+              <a:rPr lang="en-US" baseline="0" dirty="0" smtClean="0"/>
+              <a:t>-connected centroids to show inter-cluster distance (e.g. to see whether the West American Coast has similarities with Europe or China etc.)</a:t>
+            </a:r>
+          </a:p>
+          <a:p>
+            <a:r>
+              <a:rPr lang="en-US" baseline="0" dirty="0" smtClean="0"/>
+              <a:t>-added transparency for less relevant connections to further reduce cluttering.</a:t>
+            </a:r>
+            <a:endParaRPr lang="en-US" dirty="0"/>
+          </a:p>
+        </p:txBody>
+      </p:sp>
+      <p:sp>
+        <p:nvSpPr>
+          <p:cNvPr id="4" name="Slide Number Placeholder 3"/>
+          <p:cNvSpPr>
+            <a:spLocks noGrp="1"/>
+          </p:cNvSpPr>
+          <p:nvPr>
+            <p:ph type="sldNum" sz="quarter" idx="10"/>
+          </p:nvPr>
+        </p:nvSpPr>
+        <p:spPr/>
+        <p:txBody>
+          <a:bodyPr/>
+          <a:lstStyle/>
+          <a:p>
+            <a:fld id="{E8B4E3B2-47FF-4AB0-B819-A4A2EB53F0CB}" type="slidenum">
+              <a:rPr lang="en-US" smtClean="0"/>
+              <a:t>7</a:t>
+            </a:fld>
+            <a:endParaRPr lang="en-US"/>
+          </a:p>
+        </p:txBody>
+      </p:sp>
+    </p:spTree>
+    <p:extLst>
+      <p:ext uri="{BB962C8B-B14F-4D97-AF65-F5344CB8AC3E}">
+        <p14:creationId xmlns:p14="http://schemas.microsoft.com/office/powerpoint/2010/main" val="1820057948"/>
+      </p:ext>
+    </p:extLst>
+  </p:cSld>
+  <p:clrMapOvr>
+    <a:masterClrMapping/>
+  </p:clrMapOvr>
+</p:notes>
+</file>
+
+<file path=ppt/notesSlides/notesSlide3.xml><?xml version="1.0" encoding="utf-8"?>
+<p:notes xmlns:a="http://schemas.openxmlformats.org/drawingml/2006/main" xmlns:r="http://schemas.openxmlformats.org/officeDocument/2006/relationships" xmlns:p="http://schemas.openxmlformats.org/presentationml/2006/main">
+  <p:cSld>
+    <p:spTree>
+      <p:nvGrpSpPr>
+        <p:cNvPr id="1" name=""/>
+        <p:cNvGrpSpPr/>
+        <p:nvPr/>
+      </p:nvGrpSpPr>
+      <p:grpSpPr>
+        <a:xfrm>
+          <a:off x="0" y="0"/>
+          <a:ext cx="0" cy="0"/>
+          <a:chOff x="0" y="0"/>
+          <a:chExt cx="0" cy="0"/>
+        </a:xfrm>
+      </p:grpSpPr>
+      <p:sp>
+        <p:nvSpPr>
+          <p:cNvPr id="2" name="Slide Image Placeholder 1"/>
+          <p:cNvSpPr>
+            <a:spLocks noGrp="1" noRot="1" noChangeAspect="1"/>
+          </p:cNvSpPr>
+          <p:nvPr>
+            <p:ph type="sldImg"/>
+          </p:nvPr>
+        </p:nvSpPr>
+        <p:spPr/>
+      </p:sp>
+      <p:sp>
+        <p:nvSpPr>
+          <p:cNvPr id="3" name="Notes Placeholder 2"/>
+          <p:cNvSpPr>
+            <a:spLocks noGrp="1"/>
+          </p:cNvSpPr>
+          <p:nvPr>
+            <p:ph type="body" idx="1"/>
+          </p:nvPr>
+        </p:nvSpPr>
+        <p:spPr/>
+        <p:txBody>
+          <a:bodyPr/>
+          <a:lstStyle/>
+          <a:p>
+            <a:r>
+              <a:rPr lang="en-US" dirty="0" smtClean="0"/>
+              <a:t>Our</a:t>
+            </a:r>
+            <a:r>
+              <a:rPr lang="en-US" baseline="0" dirty="0" smtClean="0"/>
+              <a:t> hybrid technique uses:</a:t>
+            </a:r>
+          </a:p>
+          <a:p>
+            <a:r>
+              <a:rPr lang="en-US" baseline="0" dirty="0" smtClean="0"/>
+              <a:t>-K-means clustering automatically grouping the samples.</a:t>
+            </a:r>
+          </a:p>
+          <a:p>
+            <a:r>
+              <a:rPr lang="en-US" baseline="0" dirty="0" smtClean="0"/>
+              <a:t>-Force-edge bundling (curved arcs in the figure) for reducing the cluttering.</a:t>
+            </a:r>
+          </a:p>
+          <a:p>
+            <a:endParaRPr lang="en-US" baseline="0" dirty="0" smtClean="0"/>
+          </a:p>
+          <a:p>
+            <a:r>
+              <a:rPr lang="en-US" baseline="0" dirty="0" smtClean="0"/>
+              <a:t>Everything is done automatically, the only thing needed is to input the data (the distance matrix and geographical positions) and select the cluster granularity (how many clusters do we want?)</a:t>
+            </a:r>
+          </a:p>
+          <a:p>
+            <a:endParaRPr lang="en-US" baseline="0" dirty="0" smtClean="0"/>
+          </a:p>
+          <a:p>
+            <a:r>
+              <a:rPr lang="en-US" baseline="0" dirty="0" smtClean="0"/>
+              <a:t>This technique gives us a better view of the information and we can really see the strong connections between species of berries in Iceland and Finland. </a:t>
+            </a:r>
+          </a:p>
+          <a:p>
+            <a:r>
+              <a:rPr lang="en-US" baseline="0" dirty="0" smtClean="0"/>
+              <a:t>We think of it as a nice approach in overviewing this kind of data and a good means for reducing the workload for specialized research.</a:t>
+            </a:r>
+          </a:p>
+        </p:txBody>
+      </p:sp>
+      <p:sp>
+        <p:nvSpPr>
+          <p:cNvPr id="4" name="Slide Number Placeholder 3"/>
+          <p:cNvSpPr>
+            <a:spLocks noGrp="1"/>
+          </p:cNvSpPr>
+          <p:nvPr>
+            <p:ph type="sldNum" sz="quarter" idx="10"/>
+          </p:nvPr>
+        </p:nvSpPr>
+        <p:spPr/>
+        <p:txBody>
+          <a:bodyPr/>
+          <a:lstStyle/>
+          <a:p>
+            <a:fld id="{E8B4E3B2-47FF-4AB0-B819-A4A2EB53F0CB}" type="slidenum">
+              <a:rPr lang="en-US" smtClean="0"/>
+              <a:t>8</a:t>
+            </a:fld>
+            <a:endParaRPr lang="en-US"/>
+          </a:p>
+        </p:txBody>
+      </p:sp>
+    </p:spTree>
+    <p:extLst>
+      <p:ext uri="{BB962C8B-B14F-4D97-AF65-F5344CB8AC3E}">
+        <p14:creationId xmlns:p14="http://schemas.microsoft.com/office/powerpoint/2010/main" val="1884536029"/>
+      </p:ext>
+    </p:extLst>
+  </p:cSld>
+  <p:clrMapOvr>
+    <a:masterClrMapping/>
+  </p:clrMapOvr>
+</p:notes>
+</file>
+
+<file path=ppt/notesSlides/notesSlide4.xml><?xml version="1.0" encoding="utf-8"?>
+<p:notes xmlns:a="http://schemas.openxmlformats.org/drawingml/2006/main" xmlns:r="http://schemas.openxmlformats.org/officeDocument/2006/relationships" xmlns:p="http://schemas.openxmlformats.org/presentationml/2006/main">
+  <p:cSld>
+    <p:spTree>
+      <p:nvGrpSpPr>
+        <p:cNvPr id="1" name=""/>
+        <p:cNvGrpSpPr/>
+        <p:nvPr/>
+      </p:nvGrpSpPr>
+      <p:grpSpPr>
+        <a:xfrm>
+          <a:off x="0" y="0"/>
+          <a:ext cx="0" cy="0"/>
+          <a:chOff x="0" y="0"/>
+          <a:chExt cx="0" cy="0"/>
+        </a:xfrm>
+      </p:grpSpPr>
+      <p:sp>
+        <p:nvSpPr>
+          <p:cNvPr id="2" name="Slide Image Placeholder 1"/>
+          <p:cNvSpPr>
+            <a:spLocks noGrp="1" noRot="1" noChangeAspect="1"/>
+          </p:cNvSpPr>
+          <p:nvPr>
+            <p:ph type="sldImg"/>
+          </p:nvPr>
+        </p:nvSpPr>
+        <p:spPr/>
+      </p:sp>
+      <p:sp>
+        <p:nvSpPr>
+          <p:cNvPr id="3" name="Notes Placeholder 2"/>
+          <p:cNvSpPr>
+            <a:spLocks noGrp="1"/>
+          </p:cNvSpPr>
+          <p:nvPr>
+            <p:ph type="body" idx="1"/>
+          </p:nvPr>
+        </p:nvSpPr>
+        <p:spPr/>
+        <p:txBody>
+          <a:bodyPr/>
+          <a:lstStyle/>
+          <a:p>
+            <a:r>
+              <a:rPr lang="en-US" dirty="0" smtClean="0"/>
+              <a:t>Our</a:t>
+            </a:r>
+            <a:r>
+              <a:rPr lang="en-US" baseline="0" dirty="0" smtClean="0"/>
+              <a:t> demo website consists of steps and different views of visualizing our information. It has been designed in D3. For now the color ranges and the visualization settings are fixed, but the script can be extended into a functional online platform if needed for open use (we didn’t publish it anywhere). </a:t>
+            </a:r>
+            <a:endParaRPr lang="en-US" dirty="0"/>
+          </a:p>
+        </p:txBody>
+      </p:sp>
+      <p:sp>
+        <p:nvSpPr>
+          <p:cNvPr id="4" name="Slide Number Placeholder 3"/>
+          <p:cNvSpPr>
+            <a:spLocks noGrp="1"/>
+          </p:cNvSpPr>
+          <p:nvPr>
+            <p:ph type="sldNum" sz="quarter" idx="10"/>
+          </p:nvPr>
+        </p:nvSpPr>
+        <p:spPr/>
+        <p:txBody>
+          <a:bodyPr/>
+          <a:lstStyle/>
+          <a:p>
+            <a:fld id="{E8B4E3B2-47FF-4AB0-B819-A4A2EB53F0CB}" type="slidenum">
+              <a:rPr lang="en-US" smtClean="0"/>
+              <a:t>9</a:t>
+            </a:fld>
+            <a:endParaRPr lang="en-US"/>
+          </a:p>
+        </p:txBody>
+      </p:sp>
+    </p:spTree>
+    <p:extLst>
+      <p:ext uri="{BB962C8B-B14F-4D97-AF65-F5344CB8AC3E}">
+        <p14:creationId xmlns:p14="http://schemas.microsoft.com/office/powerpoint/2010/main" val="113911399"/>
+      </p:ext>
+    </p:extLst>
+  </p:cSld>
+  <p:clrMapOvr>
+    <a:masterClrMapping/>
+  </p:clrMapOvr>
+</p:notes>
 </file>
 
 <file path=ppt/slideLayouts/slideLayout1.xml><?xml version="1.0" encoding="utf-8"?>
@@ -3109,7 +3908,7 @@
         <p:spPr>
           <a:xfrm>
             <a:off x="1625600" y="1079500"/>
-            <a:ext cx="8966200" cy="2677656"/>
+            <a:ext cx="8966200" cy="2554545"/>
           </a:xfrm>
           <a:prstGeom prst="rect">
             <a:avLst/>
@@ -3124,29 +3923,33 @@
           <a:p>
             <a:pPr algn="ctr"/>
             <a:r>
-              <a:rPr lang="en-US" sz="5600" dirty="0" smtClean="0"/>
+              <a:rPr lang="en-US" sz="7200" dirty="0" smtClean="0"/>
               <a:t>Thank you!</a:t>
             </a:r>
           </a:p>
           <a:p>
             <a:pPr algn="ctr"/>
-            <a:endParaRPr lang="en-US" sz="5600" dirty="0"/>
+            <a:r>
+              <a:rPr lang="en-US" sz="4800" b="1" i="1" dirty="0" smtClean="0"/>
+              <a:t>Group 31</a:t>
+            </a:r>
+            <a:endParaRPr lang="en-US" sz="4800" b="1" i="1" dirty="0"/>
           </a:p>
           <a:p>
             <a:pPr algn="ctr"/>
             <a:r>
-              <a:rPr lang="en-US" sz="5600" dirty="0" smtClean="0"/>
+              <a:rPr lang="en-US" sz="4000" i="1" dirty="0" smtClean="0"/>
               <a:t>Saevar </a:t>
             </a:r>
             <a:r>
-              <a:rPr lang="en-US" sz="5600" dirty="0" err="1" smtClean="0"/>
+              <a:rPr lang="en-US" sz="4000" i="1" dirty="0" err="1" smtClean="0"/>
               <a:t>Steinn</a:t>
             </a:r>
             <a:r>
-              <a:rPr lang="en-US" sz="5600" dirty="0" smtClean="0"/>
+              <a:rPr lang="en-US" sz="4000" i="1" dirty="0" smtClean="0"/>
               <a:t> &amp; Tudor Voicu</a:t>
             </a:r>
-            <a:endParaRPr lang="en-US" sz="5600" dirty="0"/>
+            <a:endParaRPr lang="en-US" sz="4000" i="1" dirty="0"/>
           </a:p>
         </p:txBody>
       </p:sp>
@@ -3958,7 +4761,7 @@
         </p:blipFill>
         <p:spPr>
           <a:xfrm>
-            <a:off x="0" y="1033170"/>
+            <a:off x="0" y="1187273"/>
             <a:ext cx="12192000" cy="3043541"/>
           </a:xfrm>
           <a:prstGeom prst="rect">
@@ -4007,16 +4810,15 @@
           </p:cNvPicPr>
           <p:nvPr/>
         </p:nvPicPr>
-        <p:blipFill>
+        <p:blipFill rotWithShape="1">
           <a:blip r:embed="rId4"/>
-          <a:stretch>
-            <a:fillRect/>
-          </a:stretch>
+          <a:srcRect t="15787" b="6194"/>
+          <a:stretch/>
         </p:blipFill>
         <p:spPr>
           <a:xfrm>
-            <a:off x="9582150" y="4092523"/>
-            <a:ext cx="997366" cy="2724150"/>
+            <a:off x="9582150" y="4522573"/>
+            <a:ext cx="997366" cy="2125362"/>
           </a:xfrm>
           <a:prstGeom prst="rect">
             <a:avLst/>
@@ -4047,7 +4849,15 @@
           <a:p>
             <a:r>
               <a:rPr lang="en-US" dirty="0" smtClean="0"/>
-              <a:t>Blue-white-red color range for representing genetic distance</a:t>
+              <a:t>Blue-white-red </a:t>
+            </a:r>
+            <a:r>
+              <a:rPr lang="en-US" b="1" i="1" dirty="0" smtClean="0"/>
+              <a:t>color range</a:t>
+            </a:r>
+            <a:r>
+              <a:rPr lang="en-US" dirty="0" smtClean="0"/>
+              <a:t> for representing genetic distance</a:t>
             </a:r>
           </a:p>
         </p:txBody>
@@ -4060,8 +4870,8 @@
         </p:nvSpPr>
         <p:spPr>
           <a:xfrm>
-            <a:off x="6819900" y="4187773"/>
-            <a:ext cx="5194300" cy="646331"/>
+            <a:off x="6902278" y="4992933"/>
+            <a:ext cx="2876035" cy="923330"/>
           </a:xfrm>
           <a:prstGeom prst="rect">
             <a:avLst/>
@@ -4075,8 +4885,12 @@
           <a:lstStyle/>
           <a:p>
             <a:r>
+              <a:rPr lang="en-US" b="1" i="1" dirty="0" smtClean="0"/>
+              <a:t>Circle radius </a:t>
+            </a:r>
+            <a:r>
               <a:rPr lang="en-US" dirty="0" smtClean="0"/>
-              <a:t>Circle radius - hub weight (similarity of a sample to all others)</a:t>
+              <a:t>- hub weight (similarity of a sample to all others)</a:t>
             </a:r>
             <a:endParaRPr lang="en-US" dirty="0"/>
           </a:p>
@@ -4158,7 +4972,7 @@
           <p:nvPr/>
         </p:nvPicPr>
         <p:blipFill rotWithShape="1">
-          <a:blip r:embed="rId2">
+          <a:blip r:embed="rId3">
             <a:extLst>
               <a:ext uri="{28A0092B-C50C-407E-A947-70E740481C1C}">
                 <a14:useLocalDpi xmlns:a14="http://schemas.microsoft.com/office/drawing/2010/main" val="0"/>
@@ -4217,14 +5031,14 @@
           <p:nvPr/>
         </p:nvPicPr>
         <p:blipFill>
-          <a:blip r:embed="rId3"/>
+          <a:blip r:embed="rId4"/>
           <a:stretch>
             <a:fillRect/>
           </a:stretch>
         </p:blipFill>
         <p:spPr>
           <a:xfrm>
-            <a:off x="0" y="4162762"/>
+            <a:off x="0" y="3761581"/>
             <a:ext cx="8628571" cy="2695238"/>
           </a:xfrm>
           <a:prstGeom prst="rect">
@@ -4357,7 +5171,7 @@
           <p:nvPr/>
         </p:nvPicPr>
         <p:blipFill>
-          <a:blip r:embed="rId2">
+          <a:blip r:embed="rId3">
             <a:extLst>
               <a:ext uri="{28A0092B-C50C-407E-A947-70E740481C1C}">
                 <a14:useLocalDpi xmlns:a14="http://schemas.microsoft.com/office/drawing/2010/main" val="0"/>
@@ -4427,7 +5241,7 @@
           <p:nvPr/>
         </p:nvPicPr>
         <p:blipFill rotWithShape="1">
-          <a:blip r:embed="rId2">
+          <a:blip r:embed="rId3">
             <a:extLst>
               <a:ext uri="{28A0092B-C50C-407E-A947-70E740481C1C}">
                 <a14:useLocalDpi xmlns:a14="http://schemas.microsoft.com/office/drawing/2010/main" val="0"/>
@@ -4629,7 +5443,7 @@
           <p:nvPr/>
         </p:nvPicPr>
         <p:blipFill>
-          <a:blip r:embed="rId2"/>
+          <a:blip r:embed="rId3"/>
           <a:stretch>
             <a:fillRect/>
           </a:stretch>
@@ -4923,4 +5737,265 @@
     </a:ext>
   </a:extLst>
 </a:theme>
+</file>
+
+<file path=ppt/theme/theme2.xml><?xml version="1.0" encoding="utf-8"?>
+<a:theme xmlns:a="http://schemas.openxmlformats.org/drawingml/2006/main" name="Office Theme">
+  <a:themeElements>
+    <a:clrScheme name="Office">
+      <a:dk1>
+        <a:sysClr val="windowText" lastClr="000000"/>
+      </a:dk1>
+      <a:lt1>
+        <a:sysClr val="window" lastClr="FFFFFF"/>
+      </a:lt1>
+      <a:dk2>
+        <a:srgbClr val="44546A"/>
+      </a:dk2>
+      <a:lt2>
+        <a:srgbClr val="E7E6E6"/>
+      </a:lt2>
+      <a:accent1>
+        <a:srgbClr val="5B9BD5"/>
+      </a:accent1>
+      <a:accent2>
+        <a:srgbClr val="ED7D31"/>
+      </a:accent2>
+      <a:accent3>
+        <a:srgbClr val="A5A5A5"/>
+      </a:accent3>
+      <a:accent4>
+        <a:srgbClr val="FFC000"/>
+      </a:accent4>
+      <a:accent5>
+        <a:srgbClr val="4472C4"/>
+      </a:accent5>
+      <a:accent6>
+        <a:srgbClr val="70AD47"/>
+      </a:accent6>
+      <a:hlink>
+        <a:srgbClr val="0563C1"/>
+      </a:hlink>
+      <a:folHlink>
+        <a:srgbClr val="954F72"/>
+      </a:folHlink>
+    </a:clrScheme>
+    <a:fontScheme name="Office">
+      <a:majorFont>
+        <a:latin typeface="Calibri Light" panose="020F0302020204030204"/>
+        <a:ea typeface=""/>
+        <a:cs typeface=""/>
+        <a:font script="Jpan" typeface="ＭＳ Ｐゴシック"/>
+        <a:font script="Hang" typeface="맑은 고딕"/>
+        <a:font script="Hans" typeface="宋体"/>
+        <a:font script="Hant" typeface="新細明體"/>
+        <a:font script="Arab" typeface="Times New Roman"/>
+        <a:font script="Hebr" typeface="Times New Roman"/>
+        <a:font script="Thai" typeface="Angsana New"/>
+        <a:font script="Ethi" typeface="Nyala"/>
+        <a:font script="Beng" typeface="Vrinda"/>
+        <a:font script="Gujr" typeface="Shruti"/>
+        <a:font script="Khmr" typeface="MoolBoran"/>
+        <a:font script="Knda" typeface="Tunga"/>
+        <a:font script="Guru" typeface="Raavi"/>
+        <a:font script="Cans" typeface="Euphemia"/>
+        <a:font script="Cher" typeface="Plantagenet Cherokee"/>
+        <a:font script="Yiii" typeface="Microsoft Yi Baiti"/>
+        <a:font script="Tibt" typeface="Microsoft Himalaya"/>
+        <a:font script="Thaa" typeface="MV Boli"/>
+        <a:font script="Deva" typeface="Mangal"/>
+        <a:font script="Telu" typeface="Gautami"/>
+        <a:font script="Taml" typeface="Latha"/>
+        <a:font script="Syrc" typeface="Estrangelo Edessa"/>
+        <a:font script="Orya" typeface="Kalinga"/>
+        <a:font script="Mlym" typeface="Kartika"/>
+        <a:font script="Laoo" typeface="DokChampa"/>
+        <a:font script="Sinh" typeface="Iskoola Pota"/>
+        <a:font script="Mong" typeface="Mongolian Baiti"/>
+        <a:font script="Viet" typeface="Times New Roman"/>
+        <a:font script="Uigh" typeface="Microsoft Uighur"/>
+        <a:font script="Geor" typeface="Sylfaen"/>
+      </a:majorFont>
+      <a:minorFont>
+        <a:latin typeface="Calibri" panose="020F0502020204030204"/>
+        <a:ea typeface=""/>
+        <a:cs typeface=""/>
+        <a:font script="Jpan" typeface="ＭＳ Ｐゴシック"/>
+        <a:font script="Hang" typeface="맑은 고딕"/>
+        <a:font script="Hans" typeface="宋体"/>
+        <a:font script="Hant" typeface="新細明體"/>
+        <a:font script="Arab" typeface="Arial"/>
+        <a:font script="Hebr" typeface="Arial"/>
+        <a:font script="Thai" typeface="Cordia New"/>
+        <a:font script="Ethi" typeface="Nyala"/>
+        <a:font script="Beng" typeface="Vrinda"/>
+        <a:font script="Gujr" typeface="Shruti"/>
+        <a:font script="Khmr" typeface="DaunPenh"/>
+        <a:font script="Knda" typeface="Tunga"/>
+        <a:font script="Guru" typeface="Raavi"/>
+        <a:font script="Cans" typeface="Euphemia"/>
+        <a:font script="Cher" typeface="Plantagenet Cherokee"/>
+        <a:font script="Yiii" typeface="Microsoft Yi Baiti"/>
+        <a:font script="Tibt" typeface="Microsoft Himalaya"/>
+        <a:font script="Thaa" typeface="MV Boli"/>
+        <a:font script="Deva" typeface="Mangal"/>
+        <a:font script="Telu" typeface="Gautami"/>
+        <a:font script="Taml" typeface="Latha"/>
+        <a:font script="Syrc" typeface="Estrangelo Edessa"/>
+        <a:font script="Orya" typeface="Kalinga"/>
+        <a:font script="Mlym" typeface="Kartika"/>
+        <a:font script="Laoo" typeface="DokChampa"/>
+        <a:font script="Sinh" typeface="Iskoola Pota"/>
+        <a:font script="Mong" typeface="Mongolian Baiti"/>
+        <a:font script="Viet" typeface="Arial"/>
+        <a:font script="Uigh" typeface="Microsoft Uighur"/>
+        <a:font script="Geor" typeface="Sylfaen"/>
+      </a:minorFont>
+    </a:fontScheme>
+    <a:fmtScheme name="Office">
+      <a:fillStyleLst>
+        <a:solidFill>
+          <a:schemeClr val="phClr"/>
+        </a:solidFill>
+        <a:gradFill rotWithShape="1">
+          <a:gsLst>
+            <a:gs pos="0">
+              <a:schemeClr val="phClr">
+                <a:lumMod val="110000"/>
+                <a:satMod val="105000"/>
+                <a:tint val="67000"/>
+              </a:schemeClr>
+            </a:gs>
+            <a:gs pos="50000">
+              <a:schemeClr val="phClr">
+                <a:lumMod val="105000"/>
+                <a:satMod val="103000"/>
+                <a:tint val="73000"/>
+              </a:schemeClr>
+            </a:gs>
+            <a:gs pos="100000">
+              <a:schemeClr val="phClr">
+                <a:lumMod val="105000"/>
+                <a:satMod val="109000"/>
+                <a:tint val="81000"/>
+              </a:schemeClr>
+            </a:gs>
+          </a:gsLst>
+          <a:lin ang="5400000" scaled="0"/>
+        </a:gradFill>
+        <a:gradFill rotWithShape="1">
+          <a:gsLst>
+            <a:gs pos="0">
+              <a:schemeClr val="phClr">
+                <a:satMod val="103000"/>
+                <a:lumMod val="102000"/>
+                <a:tint val="94000"/>
+              </a:schemeClr>
+            </a:gs>
+            <a:gs pos="50000">
+              <a:schemeClr val="phClr">
+                <a:satMod val="110000"/>
+                <a:lumMod val="100000"/>
+                <a:shade val="100000"/>
+              </a:schemeClr>
+            </a:gs>
+            <a:gs pos="100000">
+              <a:schemeClr val="phClr">
+                <a:lumMod val="99000"/>
+                <a:satMod val="120000"/>
+                <a:shade val="78000"/>
+              </a:schemeClr>
+            </a:gs>
+          </a:gsLst>
+          <a:lin ang="5400000" scaled="0"/>
+        </a:gradFill>
+      </a:fillStyleLst>
+      <a:lnStyleLst>
+        <a:ln w="6350" cap="flat" cmpd="sng" algn="ctr">
+          <a:solidFill>
+            <a:schemeClr val="phClr"/>
+          </a:solidFill>
+          <a:prstDash val="solid"/>
+          <a:miter lim="800000"/>
+        </a:ln>
+        <a:ln w="12700" cap="flat" cmpd="sng" algn="ctr">
+          <a:solidFill>
+            <a:schemeClr val="phClr"/>
+          </a:solidFill>
+          <a:prstDash val="solid"/>
+          <a:miter lim="800000"/>
+        </a:ln>
+        <a:ln w="19050" cap="flat" cmpd="sng" algn="ctr">
+          <a:solidFill>
+            <a:schemeClr val="phClr"/>
+          </a:solidFill>
+          <a:prstDash val="solid"/>
+          <a:miter lim="800000"/>
+        </a:ln>
+      </a:lnStyleLst>
+      <a:effectStyleLst>
+        <a:effectStyle>
+          <a:effectLst/>
+        </a:effectStyle>
+        <a:effectStyle>
+          <a:effectLst/>
+        </a:effectStyle>
+        <a:effectStyle>
+          <a:effectLst>
+            <a:outerShdw blurRad="57150" dist="19050" dir="5400000" algn="ctr" rotWithShape="0">
+              <a:srgbClr val="000000">
+                <a:alpha val="63000"/>
+              </a:srgbClr>
+            </a:outerShdw>
+          </a:effectLst>
+        </a:effectStyle>
+      </a:effectStyleLst>
+      <a:bgFillStyleLst>
+        <a:solidFill>
+          <a:schemeClr val="phClr"/>
+        </a:solidFill>
+        <a:solidFill>
+          <a:schemeClr val="phClr">
+            <a:tint val="95000"/>
+            <a:satMod val="170000"/>
+          </a:schemeClr>
+        </a:solidFill>
+        <a:gradFill rotWithShape="1">
+          <a:gsLst>
+            <a:gs pos="0">
+              <a:schemeClr val="phClr">
+                <a:tint val="93000"/>
+                <a:satMod val="150000"/>
+                <a:shade val="98000"/>
+                <a:lumMod val="102000"/>
+              </a:schemeClr>
+            </a:gs>
+            <a:gs pos="50000">
+              <a:schemeClr val="phClr">
+                <a:tint val="98000"/>
+                <a:satMod val="130000"/>
+                <a:shade val="90000"/>
+                <a:lumMod val="103000"/>
+              </a:schemeClr>
+            </a:gs>
+            <a:gs pos="100000">
+              <a:schemeClr val="phClr">
+                <a:shade val="63000"/>
+                <a:satMod val="120000"/>
+              </a:schemeClr>
+            </a:gs>
+          </a:gsLst>
+          <a:lin ang="5400000" scaled="0"/>
+        </a:gradFill>
+      </a:bgFillStyleLst>
+    </a:fmtScheme>
+  </a:themeElements>
+  <a:objectDefaults/>
+  <a:extraClrSchemeLst/>
+  <a:extLst>
+    <a:ext uri="{05A4C25C-085E-4340-85A3-A5531E510DB2}">
+      <thm15:themeFamily xmlns:thm15="http://schemas.microsoft.com/office/thememl/2012/main" name="Office Theme" id="{62F939B6-93AF-4DB8-9C6B-D6C7DFDC589F}" vid="{4A3C46E8-61CC-4603-A589-7422A47A8E4A}"/>
+    </a:ext>
+  </a:extLst>
+</a:theme>
 </file>